--- a/kirana bazaar.pptx
+++ b/kirana bazaar.pptx
@@ -4738,12 +4738,16 @@
           <a:lstStyle/>
           <a:p>
             <a:r>
-              <a:rPr lang="en-IN" sz="6000" dirty="0">
+              <a:rPr lang="en-IN" sz="6000">
                 <a:latin typeface="Cooper Black" panose="0208090404030B020404" pitchFamily="18" charset="0"/>
                 <a:cs typeface="Arial" panose="020B0604020202020204" pitchFamily="34" charset="0"/>
               </a:rPr>
               <a:t>Kirana Bazaar</a:t>
             </a:r>
+            <a:endParaRPr lang="en-IN" sz="6000" dirty="0">
+              <a:latin typeface="Cooper Black" panose="0208090404030B020404" pitchFamily="18" charset="0"/>
+              <a:cs typeface="Arial" panose="020B0604020202020204" pitchFamily="34" charset="0"/>
+            </a:endParaRPr>
           </a:p>
         </p:txBody>
       </p:sp>
@@ -7253,7 +7257,7 @@
         </p:blipFill>
         <p:spPr>
           <a:xfrm>
-            <a:off x="364866" y="156278"/>
+            <a:off x="364866" y="482418"/>
             <a:ext cx="2888545" cy="1248409"/>
           </a:xfrm>
           <a:prstGeom prst="rect">
@@ -7311,7 +7315,7 @@
         </p:nvSpPr>
         <p:spPr>
           <a:xfrm>
-            <a:off x="561753" y="427507"/>
+            <a:off x="533400" y="819833"/>
             <a:ext cx="2888546" cy="646331"/>
           </a:xfrm>
           <a:prstGeom prst="rect">
@@ -7622,8 +7626,8 @@
         </p:nvSpPr>
         <p:spPr>
           <a:xfrm>
-            <a:off x="609600" y="1659189"/>
-            <a:ext cx="17068800" cy="8966365"/>
+            <a:off x="1371600" y="2826908"/>
+            <a:ext cx="15945084" cy="6476132"/>
           </a:xfrm>
           <a:prstGeom prst="rect">
             <a:avLst/>
@@ -7634,43 +7638,6 @@
             <a:spAutoFit/>
           </a:bodyPr>
           <a:lstStyle/>
-          <a:p>
-            <a:pPr marL="12700">
-              <a:lnSpc>
-                <a:spcPts val="5035"/>
-              </a:lnSpc>
-              <a:spcBef>
-                <a:spcPts val="100"/>
-              </a:spcBef>
-            </a:pPr>
-            <a:r>
-              <a:rPr lang="en-IN" sz="2600" b="1" dirty="0"/>
-              <a:t>					For the Store Owner:</a:t>
-            </a:r>
-            <a:endParaRPr lang="en-US" sz="2600" b="1" dirty="0">
-              <a:latin typeface="Arial"/>
-              <a:cs typeface="Arial"/>
-            </a:endParaRPr>
-          </a:p>
-          <a:p>
-            <a:pPr marL="355600" indent="-342900">
-              <a:lnSpc>
-                <a:spcPts val="5035"/>
-              </a:lnSpc>
-              <a:spcBef>
-                <a:spcPts val="100"/>
-              </a:spcBef>
-              <a:buFont typeface="Arial" panose="020B0604020202020204" pitchFamily="34" charset="0"/>
-              <a:buChar char="•"/>
-            </a:pPr>
-            <a:r>
-              <a:rPr lang="en-US" sz="2200" dirty="0">
-                <a:latin typeface="Calibri (Body)"/>
-                <a:cs typeface="Arial"/>
-              </a:rPr>
-              <a:t>Faster product entry: Quickly scan barcodes to auto-fetch product details, reducing manual</a:t>
-            </a:r>
-          </a:p>
           <a:p>
             <a:pPr marL="584200" indent="-571500">
               <a:lnSpc>
@@ -7683,11 +7650,11 @@
               <a:buChar char="•"/>
             </a:pPr>
             <a:r>
-              <a:rPr lang="en-US" sz="2200" dirty="0">
-                <a:latin typeface="Calibri (Body)"/>
+              <a:rPr lang="en-US" sz="4200" dirty="0">
+                <a:latin typeface="Arial"/>
                 <a:cs typeface="Arial"/>
               </a:rPr>
-              <a:t> Accurate data: Minimize errors in product listing by relying on barcode</a:t>
+              <a:t>Faster product entry: Quickly scan barcodes to auto-fetch product details, reducing manual</a:t>
             </a:r>
           </a:p>
           <a:p>
@@ -7702,11 +7669,11 @@
               <a:buChar char="•"/>
             </a:pPr>
             <a:r>
-              <a:rPr lang="en-US" sz="2200" dirty="0">
-                <a:latin typeface="Calibri (Body)"/>
+              <a:rPr lang="en-US" sz="4200" dirty="0">
+                <a:latin typeface="Arial"/>
                 <a:cs typeface="Arial"/>
               </a:rPr>
-              <a:t>Efficient inventory management: Easily update product prices and quantities in the database.</a:t>
+              <a:t> Accurate data: Minimize errors in product listing by relying on barcode</a:t>
             </a:r>
           </a:p>
           <a:p>
@@ -7721,11 +7688,11 @@
               <a:buChar char="•"/>
             </a:pPr>
             <a:r>
-              <a:rPr lang="en-US" sz="2200" dirty="0">
-                <a:latin typeface="Calibri (Body)"/>
+              <a:rPr lang="en-US" sz="4200" dirty="0">
+                <a:latin typeface="Arial"/>
                 <a:cs typeface="Arial"/>
               </a:rPr>
-              <a:t>Reduced labor costs: Less manual effort needed to add and manage</a:t>
+              <a:t>Efficient inventory management: Easily update product prices and quantities in the database.</a:t>
             </a:r>
           </a:p>
           <a:p>
@@ -7740,11 +7707,11 @@
               <a:buChar char="•"/>
             </a:pPr>
             <a:r>
-              <a:rPr lang="en-US" sz="2200" dirty="0">
-                <a:latin typeface="Calibri (Body)"/>
+              <a:rPr lang="en-US" sz="4200" dirty="0">
+                <a:latin typeface="Arial"/>
                 <a:cs typeface="Arial"/>
               </a:rPr>
-              <a:t>Enhanced user experience: Streamlined process for adding new products boosts operational efficiency.</a:t>
+              <a:t>Reduced labor costs: Less manual effort needed to add and manage</a:t>
             </a:r>
           </a:p>
           <a:p>
@@ -7759,149 +7726,13 @@
               <a:buChar char="•"/>
             </a:pPr>
             <a:r>
-              <a:rPr lang="en-US" sz="2200" dirty="0">
-                <a:latin typeface="Calibri (Body)"/>
+              <a:rPr lang="en-US" sz="4200" dirty="0">
+                <a:latin typeface="Arial"/>
                 <a:cs typeface="Arial"/>
               </a:rPr>
-              <a:t>More sales: </a:t>
-            </a:r>
-            <a:r>
-              <a:rPr lang="en-US" sz="2200" dirty="0">
-                <a:latin typeface="Calibri (Body)"/>
-              </a:rPr>
-              <a:t>Reach more customers by being online.</a:t>
-            </a:r>
-            <a:endParaRPr lang="en-US" sz="2200" dirty="0">
-              <a:latin typeface="Calibri (Body)"/>
-              <a:cs typeface="Arial"/>
-            </a:endParaRPr>
-          </a:p>
-          <a:p>
-            <a:pPr marL="584200" indent="-571500">
-              <a:lnSpc>
-                <a:spcPts val="5035"/>
-              </a:lnSpc>
-              <a:spcBef>
-                <a:spcPts val="100"/>
-              </a:spcBef>
-              <a:buFont typeface="Arial" panose="020B0604020202020204" pitchFamily="34" charset="0"/>
-              <a:buChar char="•"/>
-            </a:pPr>
-            <a:r>
-              <a:rPr lang="en-US" sz="2200" dirty="0">
-                <a:latin typeface="Calibri (Body)"/>
-                <a:cs typeface="Arial"/>
-              </a:rPr>
-              <a:t>Save Time: Faster billing, </a:t>
-            </a:r>
-            <a:r>
-              <a:rPr lang="en-US" sz="2200" dirty="0">
-                <a:latin typeface="Calibri (Body)"/>
-              </a:rPr>
-              <a:t>Simplified tax calculations and reporting.</a:t>
-            </a:r>
-          </a:p>
-          <a:p>
-            <a:pPr marL="584200" indent="-571500">
-              <a:lnSpc>
-                <a:spcPts val="5035"/>
-              </a:lnSpc>
-              <a:spcBef>
-                <a:spcPts val="100"/>
-              </a:spcBef>
-              <a:buFont typeface="Arial" panose="020B0604020202020204" pitchFamily="34" charset="0"/>
-              <a:buChar char="•"/>
-            </a:pPr>
-            <a:r>
-              <a:rPr lang="en-IN" sz="2200" dirty="0">
-                <a:latin typeface="Calibri (Body)"/>
-              </a:rPr>
-              <a:t>Easy Payments</a:t>
-            </a:r>
-            <a:r>
-              <a:rPr lang="en-US" sz="2200" dirty="0">
-                <a:latin typeface="Calibri (Body)"/>
-              </a:rPr>
-              <a:t>: Accept UPI, cards, or wallet payments, reducing cash hassles.</a:t>
-            </a:r>
-          </a:p>
-          <a:p>
-            <a:r>
-              <a:rPr lang="en-US" sz="2600" b="1"/>
-              <a:t>					For </a:t>
-            </a:r>
-            <a:r>
-              <a:rPr lang="en-US" sz="2600" b="1" dirty="0"/>
-              <a:t>Customers:</a:t>
-            </a:r>
-          </a:p>
-          <a:p>
-            <a:endParaRPr lang="en-US" sz="2600" b="1" dirty="0"/>
-          </a:p>
-          <a:p>
-            <a:pPr marL="342900" indent="-342900">
-              <a:buFont typeface="Arial" panose="020B0604020202020204" pitchFamily="34" charset="0"/>
-              <a:buChar char="•"/>
-            </a:pPr>
-            <a:r>
-              <a:rPr lang="en-US" sz="2200" dirty="0"/>
-              <a:t>Convenience:</a:t>
-            </a:r>
-            <a:r>
-              <a:rPr lang="en-US" sz="2200" b="1" dirty="0"/>
-              <a:t> </a:t>
-            </a:r>
-            <a:r>
-              <a:rPr lang="en-US" sz="2200" dirty="0"/>
-              <a:t>Faster checkout and multiple payment options.</a:t>
-            </a:r>
-          </a:p>
-          <a:p>
-            <a:pPr marL="342900" indent="-342900">
-              <a:buFont typeface="Arial" panose="020B0604020202020204" pitchFamily="34" charset="0"/>
-              <a:buChar char="•"/>
-            </a:pPr>
-            <a:endParaRPr lang="en-US" sz="2200" b="1" dirty="0"/>
-          </a:p>
-          <a:p>
-            <a:pPr marL="342900" indent="-342900">
-              <a:buFont typeface="Arial" panose="020B0604020202020204" pitchFamily="34" charset="0"/>
-              <a:buChar char="•"/>
-            </a:pPr>
-            <a:r>
-              <a:rPr lang="en-US" sz="2200" dirty="0"/>
-              <a:t>More Choices: Access to a wider range of products and services.</a:t>
-            </a:r>
-          </a:p>
-          <a:p>
-            <a:pPr marL="342900" indent="-342900">
-              <a:buFont typeface="Arial" panose="020B0604020202020204" pitchFamily="34" charset="0"/>
-              <a:buChar char="•"/>
-            </a:pPr>
-            <a:endParaRPr lang="en-US" sz="2200" b="1" dirty="0"/>
-          </a:p>
-          <a:p>
-            <a:pPr marL="342900" indent="-342900">
-              <a:buFont typeface="Arial" panose="020B0604020202020204" pitchFamily="34" charset="0"/>
-              <a:buChar char="•"/>
-            </a:pPr>
-            <a:r>
-              <a:rPr lang="en-US" sz="2200" dirty="0"/>
-              <a:t>Rewards and Discounts: Enjoy loyalty points, cashback, and other offers</a:t>
-            </a:r>
-          </a:p>
-          <a:p>
-            <a:pPr marL="584200" indent="-571500">
-              <a:lnSpc>
-                <a:spcPts val="5035"/>
-              </a:lnSpc>
-              <a:spcBef>
-                <a:spcPts val="100"/>
-              </a:spcBef>
-              <a:buFont typeface="Arial" panose="020B0604020202020204" pitchFamily="34" charset="0"/>
-              <a:buChar char="•"/>
-            </a:pPr>
-            <a:endParaRPr sz="3200" dirty="0">
+              <a:t>Enhanced user experience: Streamlined process for adding new products boosts operational efficiency.</a:t>
+            </a:r>
+            <a:endParaRPr sz="4200" dirty="0">
               <a:latin typeface="Arial"/>
               <a:cs typeface="Arial"/>
             </a:endParaRPr>
